--- a/信息安全工具开发/课件/2-7多线程2/继承threading.Thread类创建线程(PPT).pptx
+++ b/信息安全工具开发/课件/2-7多线程2/继承threading.Thread类创建线程(PPT).pptx
@@ -116,7 +116,7 @@
   </p:defaultTextStyle>
   <p:extLst>
     <p:ext uri="{EFAFB233-063F-42B5-8137-9DF3F51BA10A}">
-      <p15:sldGuideLst xmlns:p15="http://schemas.microsoft.com/office/powerpoint/2012/main" xmlns="">
+      <p15:sldGuideLst xmlns:p15="http://schemas.microsoft.com/office/powerpoint/2012/main">
         <p15:guide id="1" orient="horz" pos="2161">
           <p15:clr>
             <a:srgbClr val="A4A3A4"/>
@@ -272,7 +272,7 @@
           <a:p>
             <a:fld id="{82F288E0-7875-42C4-84C8-98DBBD3BF4D2}" type="datetimeFigureOut">
               <a:rPr lang="zh-CN" altLang="en-US" smtClean="0"/>
-              <a:t>2018-5-3</a:t>
+              <a:t>2022/3/15</a:t>
             </a:fld>
             <a:endParaRPr lang="zh-CN" altLang="en-US"/>
           </a:p>
@@ -430,7 +430,7 @@
           <a:p>
             <a:fld id="{82F288E0-7875-42C4-84C8-98DBBD3BF4D2}" type="datetimeFigureOut">
               <a:rPr lang="zh-CN" altLang="en-US" smtClean="0"/>
-              <a:t>2018-5-3</a:t>
+              <a:t>2022/3/15</a:t>
             </a:fld>
             <a:endParaRPr lang="zh-CN" altLang="en-US"/>
           </a:p>
@@ -627,7 +627,7 @@
           <a:p>
             <a:fld id="{82F288E0-7875-42C4-84C8-98DBBD3BF4D2}" type="datetimeFigureOut">
               <a:rPr lang="zh-CN" altLang="en-US" smtClean="0"/>
-              <a:t>2018-5-3</a:t>
+              <a:t>2022/3/15</a:t>
             </a:fld>
             <a:endParaRPr lang="zh-CN" altLang="en-US"/>
           </a:p>
@@ -802,7 +802,7 @@
           <a:p>
             <a:fld id="{82F288E0-7875-42C4-84C8-98DBBD3BF4D2}" type="datetimeFigureOut">
               <a:rPr lang="zh-CN" altLang="en-US" smtClean="0"/>
-              <a:t>2018-5-3</a:t>
+              <a:t>2022/3/15</a:t>
             </a:fld>
             <a:endParaRPr lang="zh-CN" altLang="en-US"/>
           </a:p>
@@ -1054,7 +1054,7 @@
           <a:p>
             <a:fld id="{82F288E0-7875-42C4-84C8-98DBBD3BF4D2}" type="datetimeFigureOut">
               <a:rPr lang="zh-CN" altLang="en-US" smtClean="0"/>
-              <a:t>2018-5-3</a:t>
+              <a:t>2022/3/15</a:t>
             </a:fld>
             <a:endParaRPr lang="zh-CN" altLang="en-US"/>
           </a:p>
@@ -1290,7 +1290,7 @@
           <a:p>
             <a:fld id="{82F288E0-7875-42C4-84C8-98DBBD3BF4D2}" type="datetimeFigureOut">
               <a:rPr lang="zh-CN" altLang="en-US" smtClean="0"/>
-              <a:t>2018-5-3</a:t>
+              <a:t>2022/3/15</a:t>
             </a:fld>
             <a:endParaRPr lang="zh-CN" altLang="en-US"/>
           </a:p>
@@ -1661,7 +1661,7 @@
           <a:p>
             <a:fld id="{82F288E0-7875-42C4-84C8-98DBBD3BF4D2}" type="datetimeFigureOut">
               <a:rPr lang="zh-CN" altLang="en-US" smtClean="0"/>
-              <a:t>2018-5-3</a:t>
+              <a:t>2022/3/15</a:t>
             </a:fld>
             <a:endParaRPr lang="zh-CN" altLang="en-US"/>
           </a:p>
@@ -1785,7 +1785,7 @@
           <a:p>
             <a:fld id="{82F288E0-7875-42C4-84C8-98DBBD3BF4D2}" type="datetimeFigureOut">
               <a:rPr lang="zh-CN" altLang="en-US" smtClean="0"/>
-              <a:t>2018-5-3</a:t>
+              <a:t>2022/3/15</a:t>
             </a:fld>
             <a:endParaRPr lang="zh-CN" altLang="en-US"/>
           </a:p>
@@ -1887,7 +1887,7 @@
           <a:p>
             <a:fld id="{82F288E0-7875-42C4-84C8-98DBBD3BF4D2}" type="datetimeFigureOut">
               <a:rPr lang="zh-CN" altLang="en-US" smtClean="0"/>
-              <a:t>2018-5-3</a:t>
+              <a:t>2022/3/15</a:t>
             </a:fld>
             <a:endParaRPr lang="zh-CN" altLang="en-US"/>
           </a:p>
@@ -2146,7 +2146,7 @@
           <a:p>
             <a:fld id="{82F288E0-7875-42C4-84C8-98DBBD3BF4D2}" type="datetimeFigureOut">
               <a:rPr lang="zh-CN" altLang="en-US" smtClean="0"/>
-              <a:t>2018-5-3</a:t>
+              <a:t>2022/3/15</a:t>
             </a:fld>
             <a:endParaRPr lang="zh-CN" altLang="en-US"/>
           </a:p>
@@ -2331,7 +2331,7 @@
           <a:p>
             <a:fld id="{82F288E0-7875-42C4-84C8-98DBBD3BF4D2}" type="datetimeFigureOut">
               <a:rPr lang="zh-CN" altLang="en-US" smtClean="0"/>
-              <a:t>2018-5-3</a:t>
+              <a:t>2022/3/15</a:t>
             </a:fld>
             <a:endParaRPr lang="zh-CN" altLang="en-US"/>
           </a:p>
@@ -2506,7 +2506,7 @@
           <a:p>
             <a:fld id="{82F288E0-7875-42C4-84C8-98DBBD3BF4D2}" type="datetimeFigureOut">
               <a:rPr lang="zh-CN" altLang="en-US" smtClean="0"/>
-              <a:t>2018-5-3</a:t>
+              <a:t>2022/3/15</a:t>
             </a:fld>
             <a:endParaRPr lang="zh-CN" altLang="en-US"/>
           </a:p>
@@ -3127,7 +3127,7 @@
           <a:p>
             <a:fld id="{82F288E0-7875-42C4-84C8-98DBBD3BF4D2}" type="datetimeFigureOut">
               <a:rPr lang="zh-CN" altLang="en-US" smtClean="0"/>
-              <a:t>2018-5-3</a:t>
+              <a:t>2022/3/15</a:t>
             </a:fld>
             <a:endParaRPr lang="zh-CN" altLang="en-US"/>
           </a:p>
@@ -3379,7 +3379,7 @@
           <a:p>
             <a:fld id="{82F288E0-7875-42C4-84C8-98DBBD3BF4D2}" type="datetimeFigureOut">
               <a:rPr lang="zh-CN" altLang="en-US" smtClean="0"/>
-              <a:t>2018-5-3</a:t>
+              <a:t>2022/3/15</a:t>
             </a:fld>
             <a:endParaRPr lang="zh-CN" altLang="en-US"/>
           </a:p>
@@ -3615,7 +3615,7 @@
           <a:p>
             <a:fld id="{82F288E0-7875-42C4-84C8-98DBBD3BF4D2}" type="datetimeFigureOut">
               <a:rPr lang="zh-CN" altLang="en-US" smtClean="0"/>
-              <a:t>2018-5-3</a:t>
+              <a:t>2022/3/15</a:t>
             </a:fld>
             <a:endParaRPr lang="zh-CN" altLang="en-US"/>
           </a:p>
@@ -3986,7 +3986,7 @@
           <a:p>
             <a:fld id="{82F288E0-7875-42C4-84C8-98DBBD3BF4D2}" type="datetimeFigureOut">
               <a:rPr lang="zh-CN" altLang="en-US" smtClean="0"/>
-              <a:t>2018-5-3</a:t>
+              <a:t>2022/3/15</a:t>
             </a:fld>
             <a:endParaRPr lang="zh-CN" altLang="en-US"/>
           </a:p>
@@ -4110,7 +4110,7 @@
           <a:p>
             <a:fld id="{82F288E0-7875-42C4-84C8-98DBBD3BF4D2}" type="datetimeFigureOut">
               <a:rPr lang="zh-CN" altLang="en-US" smtClean="0"/>
-              <a:t>2018-5-3</a:t>
+              <a:t>2022/3/15</a:t>
             </a:fld>
             <a:endParaRPr lang="zh-CN" altLang="en-US"/>
           </a:p>
@@ -4212,7 +4212,7 @@
           <a:p>
             <a:fld id="{82F288E0-7875-42C4-84C8-98DBBD3BF4D2}" type="datetimeFigureOut">
               <a:rPr lang="zh-CN" altLang="en-US" smtClean="0"/>
-              <a:t>2018-5-3</a:t>
+              <a:t>2022/3/15</a:t>
             </a:fld>
             <a:endParaRPr lang="zh-CN" altLang="en-US"/>
           </a:p>
@@ -4471,7 +4471,7 @@
           <a:p>
             <a:fld id="{82F288E0-7875-42C4-84C8-98DBBD3BF4D2}" type="datetimeFigureOut">
               <a:rPr lang="zh-CN" altLang="en-US" smtClean="0"/>
-              <a:t>2018-5-3</a:t>
+              <a:t>2022/3/15</a:t>
             </a:fld>
             <a:endParaRPr lang="zh-CN" altLang="en-US"/>
           </a:p>
@@ -4656,7 +4656,7 @@
           <a:p>
             <a:fld id="{82F288E0-7875-42C4-84C8-98DBBD3BF4D2}" type="datetimeFigureOut">
               <a:rPr lang="zh-CN" altLang="en-US" smtClean="0"/>
-              <a:t>2018-5-3</a:t>
+              <a:t>2022/3/15</a:t>
             </a:fld>
             <a:endParaRPr lang="zh-CN" altLang="en-US"/>
           </a:p>
@@ -4874,7 +4874,7 @@
           <a:p>
             <a:fld id="{82F288E0-7875-42C4-84C8-98DBBD3BF4D2}" type="datetimeFigureOut">
               <a:rPr lang="zh-CN" altLang="en-US" smtClean="0"/>
-              <a:t>2018-5-3</a:t>
+              <a:t>2022/3/15</a:t>
             </a:fld>
             <a:endParaRPr lang="zh-CN" altLang="en-US"/>
           </a:p>
@@ -5418,7 +5418,7 @@
           <a:p>
             <a:fld id="{82F288E0-7875-42C4-84C8-98DBBD3BF4D2}" type="datetimeFigureOut">
               <a:rPr lang="zh-CN" altLang="en-US" smtClean="0"/>
-              <a:t>2018-5-3</a:t>
+              <a:t>2022/3/15</a:t>
             </a:fld>
             <a:endParaRPr lang="zh-CN" altLang="en-US"/>
           </a:p>
@@ -6499,16 +6499,6 @@
               </a:rPr>
               <a:t>谢谢</a:t>
             </a:r>
-            <a:endParaRPr lang="zh-CN" altLang="en-US" sz="3200" dirty="0">
-              <a:solidFill>
-                <a:schemeClr val="tx1">
-                  <a:lumMod val="65000"/>
-                  <a:lumOff val="35000"/>
-                </a:schemeClr>
-              </a:solidFill>
-              <a:latin typeface="微软雅黑" panose="020B0503020204020204" charset="-122"/>
-              <a:ea typeface="微软雅黑" panose="020B0503020204020204" charset="-122"/>
-            </a:endParaRPr>
           </a:p>
         </p:txBody>
       </p:sp>
@@ -21803,40 +21793,6 @@
           <a:chExt cx="0" cy="0"/>
         </a:xfrm>
       </p:grpSpPr>
-      <p:pic>
-        <p:nvPicPr>
-          <p:cNvPr id="3" name="图片 2"/>
-          <p:cNvPicPr>
-            <a:picLocks noChangeAspect="1"/>
-          </p:cNvPicPr>
-          <p:nvPr/>
-        </p:nvPicPr>
-        <p:blipFill>
-          <a:blip r:embed="rId2"/>
-          <a:stretch>
-            <a:fillRect/>
-          </a:stretch>
-        </p:blipFill>
-        <p:spPr>
-          <a:xfrm>
-            <a:off x="2535220" y="1652631"/>
-            <a:ext cx="7421330" cy="4462045"/>
-          </a:xfrm>
-          <a:prstGeom prst="rect">
-            <a:avLst/>
-          </a:prstGeom>
-          <a:ln>
-            <a:noFill/>
-          </a:ln>
-          <a:effectLst>
-            <a:outerShdw blurRad="292100" dist="139700" dir="2700000" algn="tl" rotWithShape="0">
-              <a:srgbClr val="333333">
-                <a:alpha val="65000"/>
-              </a:srgbClr>
-            </a:outerShdw>
-          </a:effectLst>
-        </p:spPr>
-      </p:pic>
       <p:sp>
         <p:nvSpPr>
           <p:cNvPr id="16" name="圆角矩形 15"/>
@@ -21960,6 +21916,1250 @@
           </a:p>
         </p:txBody>
       </p:sp>
+      <p:sp>
+        <p:nvSpPr>
+          <p:cNvPr id="2" name="Rectangle 1"/>
+          <p:cNvSpPr>
+            <a:spLocks noChangeArrowheads="1"/>
+          </p:cNvSpPr>
+          <p:nvPr/>
+        </p:nvSpPr>
+        <p:spPr bwMode="auto">
+          <a:xfrm>
+            <a:off x="1895411" y="2488835"/>
+            <a:ext cx="7272587" cy="2800767"/>
+          </a:xfrm>
+          <a:prstGeom prst="rect">
+            <a:avLst/>
+          </a:prstGeom>
+          <a:solidFill>
+            <a:srgbClr val="2B2B2B"/>
+          </a:solidFill>
+          <a:ln>
+            <a:noFill/>
+          </a:ln>
+          <a:effectLst/>
+          <a:extLst>
+            <a:ext uri="{91240B29-F687-4F45-9708-019B960494DF}">
+              <a14:hiddenLine xmlns:a14="http://schemas.microsoft.com/office/drawing/2010/main" w="9525">
+                <a:solidFill>
+                  <a:schemeClr val="tx1"/>
+                </a:solidFill>
+                <a:miter lim="800000"/>
+                <a:headEnd/>
+                <a:tailEnd/>
+              </a14:hiddenLine>
+            </a:ext>
+            <a:ext uri="{AF507438-7753-43E0-B8FC-AC1667EBCBE1}">
+              <a14:hiddenEffects xmlns:a14="http://schemas.microsoft.com/office/drawing/2010/main">
+                <a:effectLst>
+                  <a:outerShdw dist="35921" dir="2700000" algn="ctr" rotWithShape="0">
+                    <a:schemeClr val="bg2"/>
+                  </a:outerShdw>
+                </a:effectLst>
+              </a14:hiddenEffects>
+            </a:ext>
+          </a:extLst>
+        </p:spPr>
+        <p:txBody>
+          <a:bodyPr vert="horz" wrap="square" lIns="91440" tIns="45720" rIns="91440" bIns="45720" numCol="1" anchor="ctr" anchorCtr="0" compatLnSpc="1">
+            <a:prstTxWarp prst="textNoShape">
+              <a:avLst/>
+            </a:prstTxWarp>
+            <a:spAutoFit/>
+          </a:bodyPr>
+          <a:lstStyle/>
+          <a:p>
+            <a:pPr marL="0" marR="0" lvl="0" indent="0" algn="l" defTabSz="914400" rtl="0" eaLnBrk="0" fontAlgn="base" latinLnBrk="0" hangingPunct="0">
+              <a:lnSpc>
+                <a:spcPct val="100000"/>
+              </a:lnSpc>
+              <a:spcBef>
+                <a:spcPct val="0"/>
+              </a:spcBef>
+              <a:spcAft>
+                <a:spcPct val="0"/>
+              </a:spcAft>
+              <a:buClrTx/>
+              <a:buSzTx/>
+              <a:buFontTx/>
+              <a:buNone/>
+              <a:tabLst/>
+            </a:pPr>
+            <a:r>
+              <a:rPr kumimoji="0" lang="zh-CN" altLang="zh-CN" sz="1100" b="0" i="0" u="none" strike="noStrike" cap="none" normalizeH="0" baseline="0" dirty="0" smtClean="0">
+                <a:ln>
+                  <a:noFill/>
+                </a:ln>
+                <a:solidFill>
+                  <a:srgbClr val="CC7832"/>
+                </a:solidFill>
+                <a:effectLst/>
+                <a:latin typeface="Arial Unicode MS"/>
+                <a:ea typeface="JetBrains Mono"/>
+              </a:rPr>
+              <a:t>def </a:t>
+            </a:r>
+            <a:r>
+              <a:rPr kumimoji="0" lang="zh-CN" altLang="zh-CN" sz="1100" b="0" i="0" u="none" strike="noStrike" cap="none" normalizeH="0" baseline="0" dirty="0" smtClean="0">
+                <a:ln>
+                  <a:noFill/>
+                </a:ln>
+                <a:solidFill>
+                  <a:srgbClr val="FFC66D"/>
+                </a:solidFill>
+                <a:effectLst/>
+                <a:latin typeface="Arial Unicode MS"/>
+                <a:ea typeface="JetBrains Mono"/>
+              </a:rPr>
+              <a:t>thread_fun </a:t>
+            </a:r>
+            <a:r>
+              <a:rPr kumimoji="0" lang="zh-CN" altLang="zh-CN" sz="1100" b="0" i="0" u="none" strike="noStrike" cap="none" normalizeH="0" baseline="0" dirty="0" smtClean="0">
+                <a:ln>
+                  <a:noFill/>
+                </a:ln>
+                <a:solidFill>
+                  <a:srgbClr val="A9B7C6"/>
+                </a:solidFill>
+                <a:effectLst/>
+                <a:latin typeface="Arial Unicode MS"/>
+                <a:ea typeface="JetBrains Mono"/>
+              </a:rPr>
+              <a:t>(num):</a:t>
+            </a:r>
+            <a:br>
+              <a:rPr kumimoji="0" lang="zh-CN" altLang="zh-CN" sz="1100" b="0" i="0" u="none" strike="noStrike" cap="none" normalizeH="0" baseline="0" dirty="0" smtClean="0">
+                <a:ln>
+                  <a:noFill/>
+                </a:ln>
+                <a:solidFill>
+                  <a:srgbClr val="A9B7C6"/>
+                </a:solidFill>
+                <a:effectLst/>
+                <a:latin typeface="Arial Unicode MS"/>
+                <a:ea typeface="JetBrains Mono"/>
+              </a:rPr>
+            </a:br>
+            <a:r>
+              <a:rPr kumimoji="0" lang="zh-CN" altLang="zh-CN" sz="1100" b="0" i="0" u="none" strike="noStrike" cap="none" normalizeH="0" baseline="0" dirty="0" smtClean="0">
+                <a:ln>
+                  <a:noFill/>
+                </a:ln>
+                <a:solidFill>
+                  <a:srgbClr val="A9B7C6"/>
+                </a:solidFill>
+                <a:effectLst/>
+                <a:latin typeface="Arial Unicode MS"/>
+                <a:ea typeface="JetBrains Mono"/>
+              </a:rPr>
+              <a:t>    </a:t>
+            </a:r>
+            <a:r>
+              <a:rPr kumimoji="0" lang="zh-CN" altLang="zh-CN" sz="1100" b="0" i="0" u="none" strike="noStrike" cap="none" normalizeH="0" baseline="0" dirty="0" smtClean="0">
+                <a:ln>
+                  <a:noFill/>
+                </a:ln>
+                <a:solidFill>
+                  <a:srgbClr val="CC7832"/>
+                </a:solidFill>
+                <a:effectLst/>
+                <a:latin typeface="Arial Unicode MS"/>
+                <a:ea typeface="JetBrains Mono"/>
+              </a:rPr>
+              <a:t>for </a:t>
+            </a:r>
+            <a:r>
+              <a:rPr kumimoji="0" lang="zh-CN" altLang="zh-CN" sz="1100" b="0" i="0" u="none" strike="noStrike" cap="none" normalizeH="0" baseline="0" dirty="0" smtClean="0">
+                <a:ln>
+                  <a:noFill/>
+                </a:ln>
+                <a:solidFill>
+                  <a:srgbClr val="A9B7C6"/>
+                </a:solidFill>
+                <a:effectLst/>
+                <a:latin typeface="Arial Unicode MS"/>
+                <a:ea typeface="JetBrains Mono"/>
+              </a:rPr>
+              <a:t>n </a:t>
+            </a:r>
+            <a:r>
+              <a:rPr kumimoji="0" lang="zh-CN" altLang="zh-CN" sz="1100" b="0" i="0" u="none" strike="noStrike" cap="none" normalizeH="0" baseline="0" dirty="0" smtClean="0">
+                <a:ln>
+                  <a:noFill/>
+                </a:ln>
+                <a:solidFill>
+                  <a:srgbClr val="CC7832"/>
+                </a:solidFill>
+                <a:effectLst/>
+                <a:latin typeface="Arial Unicode MS"/>
+                <a:ea typeface="JetBrains Mono"/>
+              </a:rPr>
+              <a:t>in </a:t>
+            </a:r>
+            <a:r>
+              <a:rPr kumimoji="0" lang="zh-CN" altLang="zh-CN" sz="1100" b="0" i="0" u="none" strike="noStrike" cap="none" normalizeH="0" baseline="0" dirty="0" smtClean="0">
+                <a:ln>
+                  <a:noFill/>
+                </a:ln>
+                <a:solidFill>
+                  <a:srgbClr val="8888C6"/>
+                </a:solidFill>
+                <a:effectLst/>
+                <a:latin typeface="Arial Unicode MS"/>
+                <a:ea typeface="JetBrains Mono"/>
+              </a:rPr>
+              <a:t>range</a:t>
+            </a:r>
+            <a:r>
+              <a:rPr kumimoji="0" lang="zh-CN" altLang="zh-CN" sz="1100" b="0" i="0" u="none" strike="noStrike" cap="none" normalizeH="0" baseline="0" dirty="0" smtClean="0">
+                <a:ln>
+                  <a:noFill/>
+                </a:ln>
+                <a:solidFill>
+                  <a:srgbClr val="A9B7C6"/>
+                </a:solidFill>
+                <a:effectLst/>
+                <a:latin typeface="Arial Unicode MS"/>
+                <a:ea typeface="JetBrains Mono"/>
+              </a:rPr>
+              <a:t>(</a:t>
+            </a:r>
+            <a:r>
+              <a:rPr kumimoji="0" lang="zh-CN" altLang="zh-CN" sz="1100" b="0" i="0" u="none" strike="noStrike" cap="none" normalizeH="0" baseline="0" dirty="0" smtClean="0">
+                <a:ln>
+                  <a:noFill/>
+                </a:ln>
+                <a:solidFill>
+                  <a:srgbClr val="6897BB"/>
+                </a:solidFill>
+                <a:effectLst/>
+                <a:latin typeface="Arial Unicode MS"/>
+                <a:ea typeface="JetBrains Mono"/>
+              </a:rPr>
+              <a:t>0</a:t>
+            </a:r>
+            <a:r>
+              <a:rPr kumimoji="0" lang="zh-CN" altLang="zh-CN" sz="1100" b="0" i="0" u="none" strike="noStrike" cap="none" normalizeH="0" baseline="0" dirty="0" smtClean="0">
+                <a:ln>
+                  <a:noFill/>
+                </a:ln>
+                <a:solidFill>
+                  <a:srgbClr val="CC7832"/>
+                </a:solidFill>
+                <a:effectLst/>
+                <a:latin typeface="Arial Unicode MS"/>
+                <a:ea typeface="JetBrains Mono"/>
+              </a:rPr>
+              <a:t>, </a:t>
+            </a:r>
+            <a:r>
+              <a:rPr kumimoji="0" lang="zh-CN" altLang="zh-CN" sz="1100" b="0" i="0" u="none" strike="noStrike" cap="none" normalizeH="0" baseline="0" dirty="0" smtClean="0">
+                <a:ln>
+                  <a:noFill/>
+                </a:ln>
+                <a:solidFill>
+                  <a:srgbClr val="8888C6"/>
+                </a:solidFill>
+                <a:effectLst/>
+                <a:latin typeface="Arial Unicode MS"/>
+                <a:ea typeface="JetBrains Mono"/>
+              </a:rPr>
+              <a:t>int</a:t>
+            </a:r>
+            <a:r>
+              <a:rPr kumimoji="0" lang="zh-CN" altLang="zh-CN" sz="1100" b="0" i="0" u="none" strike="noStrike" cap="none" normalizeH="0" baseline="0" dirty="0" smtClean="0">
+                <a:ln>
+                  <a:noFill/>
+                </a:ln>
+                <a:solidFill>
+                  <a:srgbClr val="A9B7C6"/>
+                </a:solidFill>
+                <a:effectLst/>
+                <a:latin typeface="Arial Unicode MS"/>
+                <a:ea typeface="JetBrains Mono"/>
+              </a:rPr>
+              <a:t>(num) ):</a:t>
+            </a:r>
+            <a:br>
+              <a:rPr kumimoji="0" lang="zh-CN" altLang="zh-CN" sz="1100" b="0" i="0" u="none" strike="noStrike" cap="none" normalizeH="0" baseline="0" dirty="0" smtClean="0">
+                <a:ln>
+                  <a:noFill/>
+                </a:ln>
+                <a:solidFill>
+                  <a:srgbClr val="A9B7C6"/>
+                </a:solidFill>
+                <a:effectLst/>
+                <a:latin typeface="Arial Unicode MS"/>
+                <a:ea typeface="JetBrains Mono"/>
+              </a:rPr>
+            </a:br>
+            <a:r>
+              <a:rPr kumimoji="0" lang="zh-CN" altLang="zh-CN" sz="1100" b="0" i="0" u="none" strike="noStrike" cap="none" normalizeH="0" baseline="0" dirty="0" smtClean="0">
+                <a:ln>
+                  <a:noFill/>
+                </a:ln>
+                <a:solidFill>
+                  <a:srgbClr val="A9B7C6"/>
+                </a:solidFill>
+                <a:effectLst/>
+                <a:latin typeface="Arial Unicode MS"/>
+                <a:ea typeface="JetBrains Mono"/>
+              </a:rPr>
+              <a:t>        </a:t>
+            </a:r>
+            <a:r>
+              <a:rPr kumimoji="0" lang="zh-CN" altLang="zh-CN" sz="1100" b="0" i="0" u="none" strike="noStrike" cap="none" normalizeH="0" baseline="0" dirty="0" smtClean="0">
+                <a:ln>
+                  <a:noFill/>
+                </a:ln>
+                <a:solidFill>
+                  <a:srgbClr val="8888C6"/>
+                </a:solidFill>
+                <a:effectLst/>
+                <a:latin typeface="Arial Unicode MS"/>
+                <a:ea typeface="JetBrains Mono"/>
+              </a:rPr>
+              <a:t>print </a:t>
+            </a:r>
+            <a:r>
+              <a:rPr kumimoji="0" lang="zh-CN" altLang="zh-CN" sz="1100" b="0" i="0" u="none" strike="noStrike" cap="none" normalizeH="0" baseline="0" dirty="0" smtClean="0">
+                <a:ln>
+                  <a:noFill/>
+                </a:ln>
+                <a:solidFill>
+                  <a:srgbClr val="A9B7C6"/>
+                </a:solidFill>
+                <a:effectLst/>
+                <a:latin typeface="Arial Unicode MS"/>
+                <a:ea typeface="JetBrains Mono"/>
+              </a:rPr>
+              <a:t>(</a:t>
+            </a:r>
+            <a:r>
+              <a:rPr kumimoji="0" lang="zh-CN" altLang="zh-CN" sz="1100" b="0" i="0" u="none" strike="noStrike" cap="none" normalizeH="0" baseline="0" dirty="0" smtClean="0">
+                <a:ln>
+                  <a:noFill/>
+                </a:ln>
+                <a:solidFill>
+                  <a:srgbClr val="6A8759"/>
+                </a:solidFill>
+                <a:effectLst/>
+                <a:latin typeface="Arial Unicode MS"/>
+                <a:ea typeface="JetBrains Mono"/>
+              </a:rPr>
+              <a:t>" I come from %s, num: %s"</a:t>
+            </a:r>
+            <a:r>
+              <a:rPr kumimoji="0" lang="zh-CN" altLang="zh-CN" sz="1100" b="0" i="0" u="none" strike="noStrike" cap="none" normalizeH="0" baseline="0" dirty="0" smtClean="0">
+                <a:ln>
+                  <a:noFill/>
+                </a:ln>
+                <a:solidFill>
+                  <a:srgbClr val="A9B7C6"/>
+                </a:solidFill>
+                <a:effectLst/>
+                <a:latin typeface="Arial Unicode MS"/>
+                <a:ea typeface="JetBrains Mono"/>
+              </a:rPr>
+              <a:t>% (threading.current_thread().name</a:t>
+            </a:r>
+            <a:r>
+              <a:rPr kumimoji="0" lang="zh-CN" altLang="zh-CN" sz="1100" b="0" i="0" u="none" strike="noStrike" cap="none" normalizeH="0" baseline="0" dirty="0" smtClean="0">
+                <a:ln>
+                  <a:noFill/>
+                </a:ln>
+                <a:solidFill>
+                  <a:srgbClr val="CC7832"/>
+                </a:solidFill>
+                <a:effectLst/>
+                <a:latin typeface="Arial Unicode MS"/>
+                <a:ea typeface="JetBrains Mono"/>
+              </a:rPr>
+              <a:t>,</a:t>
+            </a:r>
+            <a:r>
+              <a:rPr kumimoji="0" lang="zh-CN" altLang="zh-CN" sz="1100" b="0" i="0" u="none" strike="noStrike" cap="none" normalizeH="0" baseline="0" dirty="0" smtClean="0">
+                <a:ln>
+                  <a:noFill/>
+                </a:ln>
+                <a:solidFill>
+                  <a:srgbClr val="A9B7C6"/>
+                </a:solidFill>
+                <a:effectLst/>
+                <a:latin typeface="Arial Unicode MS"/>
+                <a:ea typeface="JetBrains Mono"/>
+              </a:rPr>
+              <a:t>n))</a:t>
+            </a:r>
+            <a:br>
+              <a:rPr kumimoji="0" lang="zh-CN" altLang="zh-CN" sz="1100" b="0" i="0" u="none" strike="noStrike" cap="none" normalizeH="0" baseline="0" dirty="0" smtClean="0">
+                <a:ln>
+                  <a:noFill/>
+                </a:ln>
+                <a:solidFill>
+                  <a:srgbClr val="A9B7C6"/>
+                </a:solidFill>
+                <a:effectLst/>
+                <a:latin typeface="Arial Unicode MS"/>
+                <a:ea typeface="JetBrains Mono"/>
+              </a:rPr>
+            </a:br>
+            <a:r>
+              <a:rPr kumimoji="0" lang="zh-CN" altLang="zh-CN" sz="1100" b="0" i="0" u="none" strike="noStrike" cap="none" normalizeH="0" baseline="0" dirty="0" smtClean="0">
+                <a:ln>
+                  <a:noFill/>
+                </a:ln>
+                <a:solidFill>
+                  <a:srgbClr val="CC7832"/>
+                </a:solidFill>
+                <a:effectLst/>
+                <a:latin typeface="Arial Unicode MS"/>
+                <a:ea typeface="JetBrains Mono"/>
+              </a:rPr>
+              <a:t>def </a:t>
+            </a:r>
+            <a:r>
+              <a:rPr kumimoji="0" lang="zh-CN" altLang="zh-CN" sz="1100" b="0" i="0" u="none" strike="noStrike" cap="none" normalizeH="0" baseline="0" dirty="0" smtClean="0">
+                <a:ln>
+                  <a:noFill/>
+                </a:ln>
+                <a:solidFill>
+                  <a:srgbClr val="FFC66D"/>
+                </a:solidFill>
+                <a:effectLst/>
+                <a:latin typeface="Arial Unicode MS"/>
+                <a:ea typeface="JetBrains Mono"/>
+              </a:rPr>
+              <a:t>main</a:t>
+            </a:r>
+            <a:r>
+              <a:rPr kumimoji="0" lang="zh-CN" altLang="zh-CN" sz="1100" b="0" i="0" u="none" strike="noStrike" cap="none" normalizeH="0" baseline="0" dirty="0" smtClean="0">
+                <a:ln>
+                  <a:noFill/>
+                </a:ln>
+                <a:solidFill>
+                  <a:srgbClr val="A9B7C6"/>
+                </a:solidFill>
+                <a:effectLst/>
+                <a:latin typeface="Arial Unicode MS"/>
+                <a:ea typeface="JetBrains Mono"/>
+              </a:rPr>
+              <a:t>(thread_num):</a:t>
+            </a:r>
+            <a:br>
+              <a:rPr kumimoji="0" lang="zh-CN" altLang="zh-CN" sz="1100" b="0" i="0" u="none" strike="noStrike" cap="none" normalizeH="0" baseline="0" dirty="0" smtClean="0">
+                <a:ln>
+                  <a:noFill/>
+                </a:ln>
+                <a:solidFill>
+                  <a:srgbClr val="A9B7C6"/>
+                </a:solidFill>
+                <a:effectLst/>
+                <a:latin typeface="Arial Unicode MS"/>
+                <a:ea typeface="JetBrains Mono"/>
+              </a:rPr>
+            </a:br>
+            <a:r>
+              <a:rPr kumimoji="0" lang="zh-CN" altLang="zh-CN" sz="1100" b="0" i="0" u="none" strike="noStrike" cap="none" normalizeH="0" baseline="0" dirty="0" smtClean="0">
+                <a:ln>
+                  <a:noFill/>
+                </a:ln>
+                <a:solidFill>
+                  <a:srgbClr val="A9B7C6"/>
+                </a:solidFill>
+                <a:effectLst/>
+                <a:latin typeface="Arial Unicode MS"/>
+                <a:ea typeface="JetBrains Mono"/>
+              </a:rPr>
+              <a:t>    thread_list = </a:t>
+            </a:r>
+            <a:r>
+              <a:rPr kumimoji="0" lang="zh-CN" altLang="zh-CN" sz="1100" b="0" i="0" u="none" strike="noStrike" cap="none" normalizeH="0" baseline="0" dirty="0" smtClean="0">
+                <a:ln>
+                  <a:noFill/>
+                </a:ln>
+                <a:solidFill>
+                  <a:srgbClr val="8888C6"/>
+                </a:solidFill>
+                <a:effectLst/>
+                <a:latin typeface="Arial Unicode MS"/>
+                <a:ea typeface="JetBrains Mono"/>
+              </a:rPr>
+              <a:t>list</a:t>
+            </a:r>
+            <a:r>
+              <a:rPr kumimoji="0" lang="zh-CN" altLang="zh-CN" sz="1100" b="0" i="0" u="none" strike="noStrike" cap="none" normalizeH="0" baseline="0" dirty="0" smtClean="0">
+                <a:ln>
+                  <a:noFill/>
+                </a:ln>
+                <a:solidFill>
+                  <a:srgbClr val="A9B7C6"/>
+                </a:solidFill>
+                <a:effectLst/>
+                <a:latin typeface="Arial Unicode MS"/>
+                <a:ea typeface="JetBrains Mono"/>
+              </a:rPr>
+              <a:t>()</a:t>
+            </a:r>
+            <a:br>
+              <a:rPr kumimoji="0" lang="zh-CN" altLang="zh-CN" sz="1100" b="0" i="0" u="none" strike="noStrike" cap="none" normalizeH="0" baseline="0" dirty="0" smtClean="0">
+                <a:ln>
+                  <a:noFill/>
+                </a:ln>
+                <a:solidFill>
+                  <a:srgbClr val="A9B7C6"/>
+                </a:solidFill>
+                <a:effectLst/>
+                <a:latin typeface="Arial Unicode MS"/>
+                <a:ea typeface="JetBrains Mono"/>
+              </a:rPr>
+            </a:br>
+            <a:r>
+              <a:rPr kumimoji="0" lang="zh-CN" altLang="zh-CN" sz="1100" b="0" i="0" u="none" strike="noStrike" cap="none" normalizeH="0" baseline="0" dirty="0" smtClean="0">
+                <a:ln>
+                  <a:noFill/>
+                </a:ln>
+                <a:solidFill>
+                  <a:srgbClr val="A9B7C6"/>
+                </a:solidFill>
+                <a:effectLst/>
+                <a:latin typeface="Arial Unicode MS"/>
+                <a:ea typeface="JetBrains Mono"/>
+              </a:rPr>
+              <a:t>    </a:t>
+            </a:r>
+            <a:r>
+              <a:rPr kumimoji="0" lang="zh-CN" altLang="zh-CN" sz="1100" b="0" i="0" u="none" strike="noStrike" cap="none" normalizeH="0" baseline="0" dirty="0" smtClean="0">
+                <a:ln>
+                  <a:noFill/>
+                </a:ln>
+                <a:solidFill>
+                  <a:srgbClr val="808080"/>
+                </a:solidFill>
+                <a:effectLst/>
+                <a:latin typeface="Arial Unicode MS"/>
+                <a:ea typeface="JetBrains Mono"/>
+              </a:rPr>
+              <a:t>#</a:t>
+            </a:r>
+            <a:r>
+              <a:rPr kumimoji="0" lang="zh-CN" altLang="zh-CN" sz="1100" b="0" i="0" u="none" strike="noStrike" cap="none" normalizeH="0" baseline="0" dirty="0" smtClean="0">
+                <a:ln>
+                  <a:noFill/>
+                </a:ln>
+                <a:solidFill>
+                  <a:srgbClr val="808080"/>
+                </a:solidFill>
+                <a:effectLst/>
+                <a:latin typeface="宋体" panose="02010600030101010101" pitchFamily="2" charset="-122"/>
+                <a:ea typeface="宋体" panose="02010600030101010101" pitchFamily="2" charset="-122"/>
+              </a:rPr>
+              <a:t>先创建线程对象</a:t>
+            </a:r>
+            <a:br>
+              <a:rPr kumimoji="0" lang="zh-CN" altLang="zh-CN" sz="1100" b="0" i="0" u="none" strike="noStrike" cap="none" normalizeH="0" baseline="0" dirty="0" smtClean="0">
+                <a:ln>
+                  <a:noFill/>
+                </a:ln>
+                <a:solidFill>
+                  <a:srgbClr val="808080"/>
+                </a:solidFill>
+                <a:effectLst/>
+                <a:latin typeface="宋体" panose="02010600030101010101" pitchFamily="2" charset="-122"/>
+                <a:ea typeface="宋体" panose="02010600030101010101" pitchFamily="2" charset="-122"/>
+              </a:rPr>
+            </a:br>
+            <a:r>
+              <a:rPr kumimoji="0" lang="zh-CN" altLang="zh-CN" sz="1100" b="0" i="0" u="none" strike="noStrike" cap="none" normalizeH="0" baseline="0" dirty="0" smtClean="0">
+                <a:ln>
+                  <a:noFill/>
+                </a:ln>
+                <a:solidFill>
+                  <a:srgbClr val="808080"/>
+                </a:solidFill>
+                <a:effectLst/>
+                <a:latin typeface="宋体" panose="02010600030101010101" pitchFamily="2" charset="-122"/>
+                <a:ea typeface="宋体" panose="02010600030101010101" pitchFamily="2" charset="-122"/>
+              </a:rPr>
+              <a:t>    </a:t>
+            </a:r>
+            <a:r>
+              <a:rPr kumimoji="0" lang="zh-CN" altLang="zh-CN" sz="1100" b="0" i="0" u="none" strike="noStrike" cap="none" normalizeH="0" baseline="0" dirty="0" smtClean="0">
+                <a:ln>
+                  <a:noFill/>
+                </a:ln>
+                <a:solidFill>
+                  <a:srgbClr val="CC7832"/>
+                </a:solidFill>
+                <a:effectLst/>
+                <a:latin typeface="Arial Unicode MS"/>
+                <a:ea typeface="JetBrains Mono"/>
+              </a:rPr>
+              <a:t>for </a:t>
+            </a:r>
+            <a:r>
+              <a:rPr kumimoji="0" lang="zh-CN" altLang="zh-CN" sz="1100" b="0" i="0" u="none" strike="noStrike" cap="none" normalizeH="0" baseline="0" dirty="0" smtClean="0">
+                <a:ln>
+                  <a:noFill/>
+                </a:ln>
+                <a:solidFill>
+                  <a:srgbClr val="A9B7C6"/>
+                </a:solidFill>
+                <a:effectLst/>
+                <a:latin typeface="Arial Unicode MS"/>
+                <a:ea typeface="JetBrains Mono"/>
+              </a:rPr>
+              <a:t>i </a:t>
+            </a:r>
+            <a:r>
+              <a:rPr kumimoji="0" lang="zh-CN" altLang="zh-CN" sz="1100" b="0" i="0" u="none" strike="noStrike" cap="none" normalizeH="0" baseline="0" dirty="0" smtClean="0">
+                <a:ln>
+                  <a:noFill/>
+                </a:ln>
+                <a:solidFill>
+                  <a:srgbClr val="CC7832"/>
+                </a:solidFill>
+                <a:effectLst/>
+                <a:latin typeface="Arial Unicode MS"/>
+                <a:ea typeface="JetBrains Mono"/>
+              </a:rPr>
+              <a:t>in </a:t>
+            </a:r>
+            <a:r>
+              <a:rPr kumimoji="0" lang="zh-CN" altLang="zh-CN" sz="1100" b="0" i="0" u="none" strike="noStrike" cap="none" normalizeH="0" baseline="0" dirty="0" smtClean="0">
+                <a:ln>
+                  <a:noFill/>
+                </a:ln>
+                <a:solidFill>
+                  <a:srgbClr val="8888C6"/>
+                </a:solidFill>
+                <a:effectLst/>
+                <a:latin typeface="Arial Unicode MS"/>
+                <a:ea typeface="JetBrains Mono"/>
+              </a:rPr>
+              <a:t>range </a:t>
+            </a:r>
+            <a:r>
+              <a:rPr kumimoji="0" lang="zh-CN" altLang="zh-CN" sz="1100" b="0" i="0" u="none" strike="noStrike" cap="none" normalizeH="0" baseline="0" dirty="0" smtClean="0">
+                <a:ln>
+                  <a:noFill/>
+                </a:ln>
+                <a:solidFill>
+                  <a:srgbClr val="A9B7C6"/>
+                </a:solidFill>
+                <a:effectLst/>
+                <a:latin typeface="Arial Unicode MS"/>
+                <a:ea typeface="JetBrains Mono"/>
+              </a:rPr>
+              <a:t>(</a:t>
+            </a:r>
+            <a:r>
+              <a:rPr kumimoji="0" lang="zh-CN" altLang="zh-CN" sz="1100" b="0" i="0" u="none" strike="noStrike" cap="none" normalizeH="0" baseline="0" dirty="0" smtClean="0">
+                <a:ln>
+                  <a:noFill/>
+                </a:ln>
+                <a:solidFill>
+                  <a:srgbClr val="6897BB"/>
+                </a:solidFill>
+                <a:effectLst/>
+                <a:latin typeface="Arial Unicode MS"/>
+                <a:ea typeface="JetBrains Mono"/>
+              </a:rPr>
+              <a:t>0</a:t>
+            </a:r>
+            <a:r>
+              <a:rPr kumimoji="0" lang="zh-CN" altLang="zh-CN" sz="1100" b="0" i="0" u="none" strike="noStrike" cap="none" normalizeH="0" baseline="0" dirty="0" smtClean="0">
+                <a:ln>
+                  <a:noFill/>
+                </a:ln>
+                <a:solidFill>
+                  <a:srgbClr val="CC7832"/>
+                </a:solidFill>
+                <a:effectLst/>
+                <a:latin typeface="Arial Unicode MS"/>
+                <a:ea typeface="JetBrains Mono"/>
+              </a:rPr>
+              <a:t>, </a:t>
+            </a:r>
+            <a:r>
+              <a:rPr kumimoji="0" lang="zh-CN" altLang="zh-CN" sz="1100" b="0" i="0" u="none" strike="noStrike" cap="none" normalizeH="0" baseline="0" dirty="0" smtClean="0">
+                <a:ln>
+                  <a:noFill/>
+                </a:ln>
+                <a:solidFill>
+                  <a:srgbClr val="A9B7C6"/>
+                </a:solidFill>
+                <a:effectLst/>
+                <a:latin typeface="Arial Unicode MS"/>
+                <a:ea typeface="JetBrains Mono"/>
+              </a:rPr>
+              <a:t>thread_num):</a:t>
+            </a:r>
+            <a:br>
+              <a:rPr kumimoji="0" lang="zh-CN" altLang="zh-CN" sz="1100" b="0" i="0" u="none" strike="noStrike" cap="none" normalizeH="0" baseline="0" dirty="0" smtClean="0">
+                <a:ln>
+                  <a:noFill/>
+                </a:ln>
+                <a:solidFill>
+                  <a:srgbClr val="A9B7C6"/>
+                </a:solidFill>
+                <a:effectLst/>
+                <a:latin typeface="Arial Unicode MS"/>
+                <a:ea typeface="JetBrains Mono"/>
+              </a:rPr>
+            </a:br>
+            <a:r>
+              <a:rPr kumimoji="0" lang="zh-CN" altLang="zh-CN" sz="1100" b="0" i="0" u="none" strike="noStrike" cap="none" normalizeH="0" baseline="0" dirty="0" smtClean="0">
+                <a:ln>
+                  <a:noFill/>
+                </a:ln>
+                <a:solidFill>
+                  <a:srgbClr val="A9B7C6"/>
+                </a:solidFill>
+                <a:effectLst/>
+                <a:latin typeface="Arial Unicode MS"/>
+                <a:ea typeface="JetBrains Mono"/>
+              </a:rPr>
+              <a:t>        thread_name = </a:t>
+            </a:r>
+            <a:r>
+              <a:rPr kumimoji="0" lang="zh-CN" altLang="zh-CN" sz="1100" b="0" i="0" u="none" strike="noStrike" cap="none" normalizeH="0" baseline="0" dirty="0" smtClean="0">
+                <a:ln>
+                  <a:noFill/>
+                </a:ln>
+                <a:solidFill>
+                  <a:srgbClr val="6A8759"/>
+                </a:solidFill>
+                <a:effectLst/>
+                <a:latin typeface="Arial Unicode MS"/>
+                <a:ea typeface="JetBrains Mono"/>
+              </a:rPr>
+              <a:t>"thread_%s" </a:t>
+            </a:r>
+            <a:r>
+              <a:rPr kumimoji="0" lang="zh-CN" altLang="zh-CN" sz="1100" b="0" i="0" u="none" strike="noStrike" cap="none" normalizeH="0" baseline="0" dirty="0" smtClean="0">
+                <a:ln>
+                  <a:noFill/>
+                </a:ln>
+                <a:solidFill>
+                  <a:srgbClr val="A9B7C6"/>
+                </a:solidFill>
+                <a:effectLst/>
+                <a:latin typeface="Arial Unicode MS"/>
+                <a:ea typeface="JetBrains Mono"/>
+              </a:rPr>
+              <a:t>% i</a:t>
+            </a:r>
+            <a:br>
+              <a:rPr kumimoji="0" lang="zh-CN" altLang="zh-CN" sz="1100" b="0" i="0" u="none" strike="noStrike" cap="none" normalizeH="0" baseline="0" dirty="0" smtClean="0">
+                <a:ln>
+                  <a:noFill/>
+                </a:ln>
+                <a:solidFill>
+                  <a:srgbClr val="A9B7C6"/>
+                </a:solidFill>
+                <a:effectLst/>
+                <a:latin typeface="Arial Unicode MS"/>
+                <a:ea typeface="JetBrains Mono"/>
+              </a:rPr>
+            </a:br>
+            <a:r>
+              <a:rPr kumimoji="0" lang="zh-CN" altLang="zh-CN" sz="1100" b="0" i="0" u="none" strike="noStrike" cap="none" normalizeH="0" baseline="0" dirty="0" smtClean="0">
+                <a:ln>
+                  <a:noFill/>
+                </a:ln>
+                <a:solidFill>
+                  <a:srgbClr val="A9B7C6"/>
+                </a:solidFill>
+                <a:effectLst/>
+                <a:latin typeface="Arial Unicode MS"/>
+                <a:ea typeface="JetBrains Mono"/>
+              </a:rPr>
+              <a:t>        thread_list.append (threading.Thread(</a:t>
+            </a:r>
+            <a:r>
+              <a:rPr kumimoji="0" lang="zh-CN" altLang="zh-CN" sz="1100" b="0" i="0" u="none" strike="noStrike" cap="none" normalizeH="0" baseline="0" dirty="0" smtClean="0">
+                <a:ln>
+                  <a:noFill/>
+                </a:ln>
+                <a:solidFill>
+                  <a:srgbClr val="AA4926"/>
+                </a:solidFill>
+                <a:effectLst/>
+                <a:latin typeface="Arial Unicode MS"/>
+                <a:ea typeface="JetBrains Mono"/>
+              </a:rPr>
+              <a:t>target</a:t>
+            </a:r>
+            <a:r>
+              <a:rPr kumimoji="0" lang="zh-CN" altLang="zh-CN" sz="1100" b="0" i="0" u="none" strike="noStrike" cap="none" normalizeH="0" baseline="0" dirty="0" smtClean="0">
+                <a:ln>
+                  <a:noFill/>
+                </a:ln>
+                <a:solidFill>
+                  <a:srgbClr val="A9B7C6"/>
+                </a:solidFill>
+                <a:effectLst/>
+                <a:latin typeface="Arial Unicode MS"/>
+                <a:ea typeface="JetBrains Mono"/>
+              </a:rPr>
+              <a:t>=thread_fun</a:t>
+            </a:r>
+            <a:r>
+              <a:rPr kumimoji="0" lang="zh-CN" altLang="zh-CN" sz="1100" b="0" i="0" u="none" strike="noStrike" cap="none" normalizeH="0" baseline="0" dirty="0" smtClean="0">
+                <a:ln>
+                  <a:noFill/>
+                </a:ln>
+                <a:solidFill>
+                  <a:srgbClr val="CC7832"/>
+                </a:solidFill>
+                <a:effectLst/>
+                <a:latin typeface="Arial Unicode MS"/>
+                <a:ea typeface="JetBrains Mono"/>
+              </a:rPr>
+              <a:t>,</a:t>
+            </a:r>
+            <a:r>
+              <a:rPr kumimoji="0" lang="zh-CN" altLang="zh-CN" sz="1100" b="0" i="0" u="none" strike="noStrike" cap="none" normalizeH="0" baseline="0" dirty="0" smtClean="0">
+                <a:ln>
+                  <a:noFill/>
+                </a:ln>
+                <a:solidFill>
+                  <a:srgbClr val="AA4926"/>
+                </a:solidFill>
+                <a:effectLst/>
+                <a:latin typeface="Arial Unicode MS"/>
+                <a:ea typeface="JetBrains Mono"/>
+              </a:rPr>
+              <a:t>name</a:t>
+            </a:r>
+            <a:r>
+              <a:rPr kumimoji="0" lang="zh-CN" altLang="zh-CN" sz="1100" b="0" i="0" u="none" strike="noStrike" cap="none" normalizeH="0" baseline="0" dirty="0" smtClean="0">
+                <a:ln>
+                  <a:noFill/>
+                </a:ln>
+                <a:solidFill>
+                  <a:srgbClr val="A9B7C6"/>
+                </a:solidFill>
+                <a:effectLst/>
+                <a:latin typeface="Arial Unicode MS"/>
+                <a:ea typeface="JetBrains Mono"/>
+              </a:rPr>
+              <a:t>=thread_name</a:t>
+            </a:r>
+            <a:r>
+              <a:rPr kumimoji="0" lang="zh-CN" altLang="zh-CN" sz="1100" b="0" i="0" u="none" strike="noStrike" cap="none" normalizeH="0" baseline="0" dirty="0" smtClean="0">
+                <a:ln>
+                  <a:noFill/>
+                </a:ln>
+                <a:solidFill>
+                  <a:srgbClr val="CC7832"/>
+                </a:solidFill>
+                <a:effectLst/>
+                <a:latin typeface="Arial Unicode MS"/>
+                <a:ea typeface="JetBrains Mono"/>
+              </a:rPr>
+              <a:t>,</a:t>
+            </a:r>
+            <a:r>
+              <a:rPr kumimoji="0" lang="zh-CN" altLang="zh-CN" sz="1100" b="0" i="0" u="none" strike="noStrike" cap="none" normalizeH="0" baseline="0" dirty="0" smtClean="0">
+                <a:ln>
+                  <a:noFill/>
+                </a:ln>
+                <a:solidFill>
+                  <a:srgbClr val="AA4926"/>
+                </a:solidFill>
+                <a:effectLst/>
+                <a:latin typeface="Arial Unicode MS"/>
+                <a:ea typeface="JetBrains Mono"/>
+              </a:rPr>
+              <a:t>args</a:t>
+            </a:r>
+            <a:r>
+              <a:rPr kumimoji="0" lang="zh-CN" altLang="zh-CN" sz="1100" b="0" i="0" u="none" strike="noStrike" cap="none" normalizeH="0" baseline="0" dirty="0" smtClean="0">
+                <a:ln>
+                  <a:noFill/>
+                </a:ln>
+                <a:solidFill>
+                  <a:srgbClr val="A9B7C6"/>
+                </a:solidFill>
+                <a:effectLst/>
+                <a:latin typeface="Arial Unicode MS"/>
+                <a:ea typeface="JetBrains Mono"/>
+              </a:rPr>
+              <a:t>=(</a:t>
+            </a:r>
+            <a:r>
+              <a:rPr kumimoji="0" lang="zh-CN" altLang="zh-CN" sz="1100" b="0" i="0" u="none" strike="noStrike" cap="none" normalizeH="0" baseline="0" dirty="0" smtClean="0">
+                <a:ln>
+                  <a:noFill/>
+                </a:ln>
+                <a:solidFill>
+                  <a:srgbClr val="6897BB"/>
+                </a:solidFill>
+                <a:effectLst/>
+                <a:latin typeface="Arial Unicode MS"/>
+                <a:ea typeface="JetBrains Mono"/>
+              </a:rPr>
+              <a:t>20</a:t>
+            </a:r>
+            <a:r>
+              <a:rPr kumimoji="0" lang="zh-CN" altLang="zh-CN" sz="1100" b="0" i="0" u="none" strike="noStrike" cap="none" normalizeH="0" baseline="0" dirty="0" smtClean="0">
+                <a:ln>
+                  <a:noFill/>
+                </a:ln>
+                <a:solidFill>
+                  <a:srgbClr val="CC7832"/>
+                </a:solidFill>
+                <a:effectLst/>
+                <a:latin typeface="Arial Unicode MS"/>
+                <a:ea typeface="JetBrains Mono"/>
+              </a:rPr>
+              <a:t>,</a:t>
+            </a:r>
+            <a:r>
+              <a:rPr kumimoji="0" lang="zh-CN" altLang="zh-CN" sz="1100" b="0" i="0" u="none" strike="noStrike" cap="none" normalizeH="0" baseline="0" dirty="0" smtClean="0">
+                <a:ln>
+                  <a:noFill/>
+                </a:ln>
+                <a:solidFill>
+                  <a:srgbClr val="A9B7C6"/>
+                </a:solidFill>
+                <a:effectLst/>
+                <a:latin typeface="Arial Unicode MS"/>
+                <a:ea typeface="JetBrains Mono"/>
+              </a:rPr>
+              <a:t>)))</a:t>
+            </a:r>
+            <a:br>
+              <a:rPr kumimoji="0" lang="zh-CN" altLang="zh-CN" sz="1100" b="0" i="0" u="none" strike="noStrike" cap="none" normalizeH="0" baseline="0" dirty="0" smtClean="0">
+                <a:ln>
+                  <a:noFill/>
+                </a:ln>
+                <a:solidFill>
+                  <a:srgbClr val="A9B7C6"/>
+                </a:solidFill>
+                <a:effectLst/>
+                <a:latin typeface="Arial Unicode MS"/>
+                <a:ea typeface="JetBrains Mono"/>
+              </a:rPr>
+            </a:br>
+            <a:r>
+              <a:rPr kumimoji="0" lang="zh-CN" altLang="zh-CN" sz="1100" b="0" i="0" u="none" strike="noStrike" cap="none" normalizeH="0" baseline="0" dirty="0" smtClean="0">
+                <a:ln>
+                  <a:noFill/>
+                </a:ln>
+                <a:solidFill>
+                  <a:srgbClr val="A9B7C6"/>
+                </a:solidFill>
+                <a:effectLst/>
+                <a:latin typeface="Arial Unicode MS"/>
+                <a:ea typeface="JetBrains Mono"/>
+              </a:rPr>
+              <a:t>        </a:t>
+            </a:r>
+            <a:r>
+              <a:rPr kumimoji="0" lang="zh-CN" altLang="zh-CN" sz="1100" b="0" i="0" u="none" strike="noStrike" cap="none" normalizeH="0" baseline="0" dirty="0" smtClean="0">
+                <a:ln>
+                  <a:noFill/>
+                </a:ln>
+                <a:solidFill>
+                  <a:srgbClr val="808080"/>
+                </a:solidFill>
+                <a:effectLst/>
+                <a:latin typeface="Arial Unicode MS"/>
+                <a:ea typeface="JetBrains Mono"/>
+              </a:rPr>
+              <a:t>#</a:t>
+            </a:r>
+            <a:r>
+              <a:rPr kumimoji="0" lang="zh-CN" altLang="zh-CN" sz="1100" b="0" i="0" u="none" strike="noStrike" cap="none" normalizeH="0" baseline="0" dirty="0" smtClean="0">
+                <a:ln>
+                  <a:noFill/>
+                </a:ln>
+                <a:solidFill>
+                  <a:srgbClr val="808080"/>
+                </a:solidFill>
+                <a:effectLst/>
+                <a:latin typeface="宋体" panose="02010600030101010101" pitchFamily="2" charset="-122"/>
+                <a:ea typeface="宋体" panose="02010600030101010101" pitchFamily="2" charset="-122"/>
+              </a:rPr>
+              <a:t>启动所有线程</a:t>
+            </a:r>
+            <a:br>
+              <a:rPr kumimoji="0" lang="zh-CN" altLang="zh-CN" sz="1100" b="0" i="0" u="none" strike="noStrike" cap="none" normalizeH="0" baseline="0" dirty="0" smtClean="0">
+                <a:ln>
+                  <a:noFill/>
+                </a:ln>
+                <a:solidFill>
+                  <a:srgbClr val="808080"/>
+                </a:solidFill>
+                <a:effectLst/>
+                <a:latin typeface="宋体" panose="02010600030101010101" pitchFamily="2" charset="-122"/>
+                <a:ea typeface="宋体" panose="02010600030101010101" pitchFamily="2" charset="-122"/>
+              </a:rPr>
+            </a:br>
+            <a:r>
+              <a:rPr kumimoji="0" lang="zh-CN" altLang="zh-CN" sz="1100" b="0" i="0" u="none" strike="noStrike" cap="none" normalizeH="0" baseline="0" dirty="0" smtClean="0">
+                <a:ln>
+                  <a:noFill/>
+                </a:ln>
+                <a:solidFill>
+                  <a:srgbClr val="808080"/>
+                </a:solidFill>
+                <a:effectLst/>
+                <a:latin typeface="宋体" panose="02010600030101010101" pitchFamily="2" charset="-122"/>
+                <a:ea typeface="宋体" panose="02010600030101010101" pitchFamily="2" charset="-122"/>
+              </a:rPr>
+              <a:t>    </a:t>
+            </a:r>
+            <a:r>
+              <a:rPr kumimoji="0" lang="zh-CN" altLang="zh-CN" sz="1100" b="0" i="0" u="none" strike="noStrike" cap="none" normalizeH="0" baseline="0" dirty="0" smtClean="0">
+                <a:ln>
+                  <a:noFill/>
+                </a:ln>
+                <a:solidFill>
+                  <a:srgbClr val="CC7832"/>
+                </a:solidFill>
+                <a:effectLst/>
+                <a:latin typeface="Arial Unicode MS"/>
+                <a:ea typeface="JetBrains Mono"/>
+              </a:rPr>
+              <a:t>for </a:t>
+            </a:r>
+            <a:r>
+              <a:rPr kumimoji="0" lang="zh-CN" altLang="zh-CN" sz="1100" b="0" i="0" u="none" strike="noStrike" cap="none" normalizeH="0" baseline="0" dirty="0" smtClean="0">
+                <a:ln>
+                  <a:noFill/>
+                </a:ln>
+                <a:solidFill>
+                  <a:srgbClr val="A9B7C6"/>
+                </a:solidFill>
+                <a:effectLst/>
+                <a:latin typeface="Arial Unicode MS"/>
+                <a:ea typeface="JetBrains Mono"/>
+              </a:rPr>
+              <a:t>thread </a:t>
+            </a:r>
+            <a:r>
+              <a:rPr kumimoji="0" lang="zh-CN" altLang="zh-CN" sz="1100" b="0" i="0" u="none" strike="noStrike" cap="none" normalizeH="0" baseline="0" dirty="0" smtClean="0">
+                <a:ln>
+                  <a:noFill/>
+                </a:ln>
+                <a:solidFill>
+                  <a:srgbClr val="CC7832"/>
+                </a:solidFill>
+                <a:effectLst/>
+                <a:latin typeface="Arial Unicode MS"/>
+                <a:ea typeface="JetBrains Mono"/>
+              </a:rPr>
+              <a:t>in </a:t>
+            </a:r>
+            <a:r>
+              <a:rPr kumimoji="0" lang="zh-CN" altLang="zh-CN" sz="1100" b="0" i="0" u="none" strike="noStrike" cap="none" normalizeH="0" baseline="0" dirty="0" smtClean="0">
+                <a:ln>
+                  <a:noFill/>
+                </a:ln>
+                <a:solidFill>
+                  <a:srgbClr val="A9B7C6"/>
+                </a:solidFill>
+                <a:effectLst/>
+                <a:latin typeface="Arial Unicode MS"/>
+                <a:ea typeface="JetBrains Mono"/>
+              </a:rPr>
+              <a:t>thread_list:</a:t>
+            </a:r>
+            <a:br>
+              <a:rPr kumimoji="0" lang="zh-CN" altLang="zh-CN" sz="1100" b="0" i="0" u="none" strike="noStrike" cap="none" normalizeH="0" baseline="0" dirty="0" smtClean="0">
+                <a:ln>
+                  <a:noFill/>
+                </a:ln>
+                <a:solidFill>
+                  <a:srgbClr val="A9B7C6"/>
+                </a:solidFill>
+                <a:effectLst/>
+                <a:latin typeface="Arial Unicode MS"/>
+                <a:ea typeface="JetBrains Mono"/>
+              </a:rPr>
+            </a:br>
+            <a:r>
+              <a:rPr kumimoji="0" lang="zh-CN" altLang="zh-CN" sz="1100" b="0" i="0" u="none" strike="noStrike" cap="none" normalizeH="0" baseline="0" dirty="0" smtClean="0">
+                <a:ln>
+                  <a:noFill/>
+                </a:ln>
+                <a:solidFill>
+                  <a:srgbClr val="A9B7C6"/>
+                </a:solidFill>
+                <a:effectLst/>
+                <a:latin typeface="Arial Unicode MS"/>
+                <a:ea typeface="JetBrains Mono"/>
+              </a:rPr>
+              <a:t>        thread.start()</a:t>
+            </a:r>
+            <a:br>
+              <a:rPr kumimoji="0" lang="zh-CN" altLang="zh-CN" sz="1100" b="0" i="0" u="none" strike="noStrike" cap="none" normalizeH="0" baseline="0" dirty="0" smtClean="0">
+                <a:ln>
+                  <a:noFill/>
+                </a:ln>
+                <a:solidFill>
+                  <a:srgbClr val="A9B7C6"/>
+                </a:solidFill>
+                <a:effectLst/>
+                <a:latin typeface="Arial Unicode MS"/>
+                <a:ea typeface="JetBrains Mono"/>
+              </a:rPr>
+            </a:br>
+            <a:r>
+              <a:rPr kumimoji="0" lang="zh-CN" altLang="zh-CN" sz="1100" b="0" i="0" u="none" strike="noStrike" cap="none" normalizeH="0" baseline="0" dirty="0" smtClean="0">
+                <a:ln>
+                  <a:noFill/>
+                </a:ln>
+                <a:solidFill>
+                  <a:srgbClr val="A9B7C6"/>
+                </a:solidFill>
+                <a:effectLst/>
+                <a:latin typeface="Arial Unicode MS"/>
+                <a:ea typeface="JetBrains Mono"/>
+              </a:rPr>
+              <a:t>        </a:t>
+            </a:r>
+            <a:r>
+              <a:rPr kumimoji="0" lang="zh-CN" altLang="zh-CN" sz="1100" b="0" i="0" u="none" strike="noStrike" cap="none" normalizeH="0" baseline="0" dirty="0" smtClean="0">
+                <a:ln>
+                  <a:noFill/>
+                </a:ln>
+                <a:solidFill>
+                  <a:srgbClr val="808080"/>
+                </a:solidFill>
+                <a:effectLst/>
+                <a:latin typeface="Arial Unicode MS"/>
+                <a:ea typeface="JetBrains Mono"/>
+              </a:rPr>
+              <a:t>#</a:t>
+            </a:r>
+            <a:r>
+              <a:rPr kumimoji="0" lang="zh-CN" altLang="zh-CN" sz="1100" b="0" i="0" u="none" strike="noStrike" cap="none" normalizeH="0" baseline="0" dirty="0" smtClean="0">
+                <a:ln>
+                  <a:noFill/>
+                </a:ln>
+                <a:solidFill>
+                  <a:srgbClr val="808080"/>
+                </a:solidFill>
+                <a:effectLst/>
+                <a:latin typeface="宋体" panose="02010600030101010101" pitchFamily="2" charset="-122"/>
+                <a:ea typeface="宋体" panose="02010600030101010101" pitchFamily="2" charset="-122"/>
+              </a:rPr>
+              <a:t>主线程中等待所有子线程退出</a:t>
+            </a:r>
+            <a:br>
+              <a:rPr kumimoji="0" lang="zh-CN" altLang="zh-CN" sz="1100" b="0" i="0" u="none" strike="noStrike" cap="none" normalizeH="0" baseline="0" dirty="0" smtClean="0">
+                <a:ln>
+                  <a:noFill/>
+                </a:ln>
+                <a:solidFill>
+                  <a:srgbClr val="808080"/>
+                </a:solidFill>
+                <a:effectLst/>
+                <a:latin typeface="宋体" panose="02010600030101010101" pitchFamily="2" charset="-122"/>
+                <a:ea typeface="宋体" panose="02010600030101010101" pitchFamily="2" charset="-122"/>
+              </a:rPr>
+            </a:br>
+            <a:r>
+              <a:rPr kumimoji="0" lang="zh-CN" altLang="zh-CN" sz="1100" b="0" i="0" u="none" strike="noStrike" cap="none" normalizeH="0" baseline="0" dirty="0" smtClean="0">
+                <a:ln>
+                  <a:noFill/>
+                </a:ln>
+                <a:solidFill>
+                  <a:srgbClr val="808080"/>
+                </a:solidFill>
+                <a:effectLst/>
+                <a:latin typeface="宋体" panose="02010600030101010101" pitchFamily="2" charset="-122"/>
+                <a:ea typeface="宋体" panose="02010600030101010101" pitchFamily="2" charset="-122"/>
+              </a:rPr>
+              <a:t>        </a:t>
+            </a:r>
+            <a:r>
+              <a:rPr kumimoji="0" lang="zh-CN" altLang="zh-CN" sz="1100" b="0" i="0" u="none" strike="noStrike" cap="none" normalizeH="0" baseline="0" dirty="0" smtClean="0">
+                <a:ln>
+                  <a:noFill/>
+                </a:ln>
+                <a:solidFill>
+                  <a:srgbClr val="808080"/>
+                </a:solidFill>
+                <a:effectLst/>
+                <a:latin typeface="Arial Unicode MS"/>
+                <a:ea typeface="JetBrains Mono"/>
+              </a:rPr>
+              <a:t>#thread.join()</a:t>
+            </a:r>
+            <a:br>
+              <a:rPr kumimoji="0" lang="zh-CN" altLang="zh-CN" sz="1100" b="0" i="0" u="none" strike="noStrike" cap="none" normalizeH="0" baseline="0" dirty="0" smtClean="0">
+                <a:ln>
+                  <a:noFill/>
+                </a:ln>
+                <a:solidFill>
+                  <a:srgbClr val="808080"/>
+                </a:solidFill>
+                <a:effectLst/>
+                <a:latin typeface="Arial Unicode MS"/>
+                <a:ea typeface="JetBrains Mono"/>
+              </a:rPr>
+            </a:br>
+            <a:r>
+              <a:rPr kumimoji="0" lang="zh-CN" altLang="zh-CN" sz="1100" b="0" i="0" u="none" strike="noStrike" cap="none" normalizeH="0" baseline="0" dirty="0" smtClean="0">
+                <a:ln>
+                  <a:noFill/>
+                </a:ln>
+                <a:solidFill>
+                  <a:srgbClr val="808080"/>
+                </a:solidFill>
+                <a:effectLst/>
+                <a:latin typeface="Arial Unicode MS"/>
+                <a:ea typeface="JetBrains Mono"/>
+              </a:rPr>
+              <a:t># if __name__ == "__main__":</a:t>
+            </a:r>
+            <a:br>
+              <a:rPr kumimoji="0" lang="zh-CN" altLang="zh-CN" sz="1100" b="0" i="0" u="none" strike="noStrike" cap="none" normalizeH="0" baseline="0" dirty="0" smtClean="0">
+                <a:ln>
+                  <a:noFill/>
+                </a:ln>
+                <a:solidFill>
+                  <a:srgbClr val="808080"/>
+                </a:solidFill>
+                <a:effectLst/>
+                <a:latin typeface="Arial Unicode MS"/>
+                <a:ea typeface="JetBrains Mono"/>
+              </a:rPr>
+            </a:br>
+            <a:r>
+              <a:rPr kumimoji="0" lang="zh-CN" altLang="zh-CN" sz="1100" b="0" i="0" u="none" strike="noStrike" cap="none" normalizeH="0" baseline="0" dirty="0" smtClean="0">
+                <a:ln>
+                  <a:noFill/>
+                </a:ln>
+                <a:solidFill>
+                  <a:srgbClr val="808080"/>
+                </a:solidFill>
+                <a:effectLst/>
+                <a:latin typeface="Arial Unicode MS"/>
+                <a:ea typeface="JetBrains Mono"/>
+              </a:rPr>
+              <a:t>#     main (3)</a:t>
+            </a:r>
+            <a:endParaRPr kumimoji="0" lang="zh-CN" altLang="zh-CN" sz="1100" b="0" i="0" u="none" strike="noStrike" cap="none" normalizeH="0" baseline="0" dirty="0" smtClean="0">
+              <a:ln>
+                <a:noFill/>
+              </a:ln>
+              <a:solidFill>
+                <a:schemeClr val="tx1"/>
+              </a:solidFill>
+              <a:effectLst/>
+              <a:latin typeface="Arial" panose="020B0604020202020204" pitchFamily="34" charset="0"/>
+            </a:endParaRPr>
+          </a:p>
+        </p:txBody>
+      </p:sp>
     </p:spTree>
     <p:extLst>
       <p:ext uri="{BB962C8B-B14F-4D97-AF65-F5344CB8AC3E}">
@@ -21985,78 +23185,7 @@
   <p:timing>
     <p:tnLst>
       <p:par>
-        <p:cTn id="1" dur="indefinite" restart="never" nodeType="tmRoot">
-          <p:childTnLst>
-            <p:seq concurrent="1" nextAc="seek">
-              <p:cTn id="2" dur="indefinite" nodeType="mainSeq">
-                <p:childTnLst>
-                  <p:par>
-                    <p:cTn id="3" fill="hold">
-                      <p:stCondLst>
-                        <p:cond delay="indefinite"/>
-                        <p:cond evt="onBegin" delay="0">
-                          <p:tn val="2"/>
-                        </p:cond>
-                      </p:stCondLst>
-                      <p:childTnLst>
-                        <p:par>
-                          <p:cTn id="4" fill="hold">
-                            <p:stCondLst>
-                              <p:cond delay="0"/>
-                            </p:stCondLst>
-                            <p:childTnLst>
-                              <p:par>
-                                <p:cTn id="5" presetID="1" presetClass="entr" presetSubtype="0" fill="hold" nodeType="withEffect">
-                                  <p:stCondLst>
-                                    <p:cond delay="0"/>
-                                  </p:stCondLst>
-                                  <p:childTnLst>
-                                    <p:set>
-                                      <p:cBhvr>
-                                        <p:cTn id="6" dur="1" fill="hold">
-                                          <p:stCondLst>
-                                            <p:cond delay="0"/>
-                                          </p:stCondLst>
-                                        </p:cTn>
-                                        <p:tgtEl>
-                                          <p:spTgt spid="3"/>
-                                        </p:tgtEl>
-                                        <p:attrNameLst>
-                                          <p:attrName>style.visibility</p:attrName>
-                                        </p:attrNameLst>
-                                      </p:cBhvr>
-                                      <p:to>
-                                        <p:strVal val="visible"/>
-                                      </p:to>
-                                    </p:set>
-                                  </p:childTnLst>
-                                </p:cTn>
-                              </p:par>
-                            </p:childTnLst>
-                          </p:cTn>
-                        </p:par>
-                      </p:childTnLst>
-                    </p:cTn>
-                  </p:par>
-                </p:childTnLst>
-              </p:cTn>
-              <p:prevCondLst>
-                <p:cond evt="onPrev" delay="0">
-                  <p:tgtEl>
-                    <p:sldTgt/>
-                  </p:tgtEl>
-                </p:cond>
-              </p:prevCondLst>
-              <p:nextCondLst>
-                <p:cond evt="onNext" delay="0">
-                  <p:tgtEl>
-                    <p:sldTgt/>
-                  </p:tgtEl>
-                </p:cond>
-              </p:nextCondLst>
-            </p:seq>
-          </p:childTnLst>
-        </p:cTn>
+        <p:cTn id="1" dur="indefinite" restart="never" nodeType="tmRoot"/>
       </p:par>
     </p:tnLst>
   </p:timing>
@@ -22239,7 +23368,7 @@
           <p:cNvPr id="5" name="图片 4" descr="图片包含 屏幕截图&#10;&#10;已生成高可信度的说明">
             <a:extLst>
               <a:ext uri="{FF2B5EF4-FFF2-40B4-BE49-F238E27FC236}">
-                <a16:creationId xmlns:a16="http://schemas.microsoft.com/office/drawing/2014/main" xmlns="" id="{EE2C425E-66A9-427A-ACE2-A1DCDB576570}"/>
+                <a16:creationId xmlns:a16="http://schemas.microsoft.com/office/drawing/2014/main" id="{EE2C425E-66A9-427A-ACE2-A1DCDB576570}"/>
               </a:ext>
             </a:extLst>
           </p:cNvPr>
@@ -23040,7 +24169,7 @@
           <p:cNvPr id="4" name="图片 3" descr="图片包含 屏幕截图&#10;&#10;已生成极高可信度的说明">
             <a:extLst>
               <a:ext uri="{FF2B5EF4-FFF2-40B4-BE49-F238E27FC236}">
-                <a16:creationId xmlns:a16="http://schemas.microsoft.com/office/drawing/2014/main" xmlns="" id="{57F21C40-36CC-4CAA-8A1A-B6CD8B79C681}"/>
+                <a16:creationId xmlns:a16="http://schemas.microsoft.com/office/drawing/2014/main" id="{57F21C40-36CC-4CAA-8A1A-B6CD8B79C681}"/>
               </a:ext>
             </a:extLst>
           </p:cNvPr>
@@ -23361,7 +24490,7 @@
   <a:extraClrSchemeLst/>
   <a:extLst>
     <a:ext uri="{05A4C25C-085E-4340-85A3-A5531E510DB2}">
-      <thm15:themeFamily xmlns:thm15="http://schemas.microsoft.com/office/thememl/2012/main" xmlns="" name="Office Theme" id="{62F939B6-93AF-4DB8-9C6B-D6C7DFDC589F}" vid="{4A3C46E8-61CC-4603-A589-7422A47A8E4A}"/>
+      <thm15:themeFamily xmlns:thm15="http://schemas.microsoft.com/office/thememl/2012/main" name="Office Theme" id="{62F939B6-93AF-4DB8-9C6B-D6C7DFDC589F}" vid="{4A3C46E8-61CC-4603-A589-7422A47A8E4A}"/>
     </a:ext>
   </a:extLst>
 </a:theme>
@@ -23622,7 +24751,7 @@
   <a:extraClrSchemeLst/>
   <a:extLst>
     <a:ext uri="{05A4C25C-085E-4340-85A3-A5531E510DB2}">
-      <thm15:themeFamily xmlns:thm15="http://schemas.microsoft.com/office/thememl/2012/main" xmlns="" name="Office Theme" id="{62F939B6-93AF-4DB8-9C6B-D6C7DFDC589F}" vid="{4A3C46E8-61CC-4603-A589-7422A47A8E4A}"/>
+      <thm15:themeFamily xmlns:thm15="http://schemas.microsoft.com/office/thememl/2012/main" name="Office Theme" id="{62F939B6-93AF-4DB8-9C6B-D6C7DFDC589F}" vid="{4A3C46E8-61CC-4603-A589-7422A47A8E4A}"/>
     </a:ext>
   </a:extLst>
 </a:theme>
